--- a/Презентация.pptx
+++ b/Презентация.pptx
@@ -207,7 +207,7 @@
           <a:p>
             <a:fld id="{E9DCE2EA-DE99-453E-A4C9-C2704D4C759F}" type="datetimeFigureOut">
               <a:rPr lang="ru-RU" smtClean="0"/>
-              <a:t>01.06.2021</a:t>
+              <a:t>02.06.2021</a:t>
             </a:fld>
             <a:endParaRPr lang="ru-RU"/>
           </a:p>
@@ -660,7 +660,7 @@
           <a:p>
             <a:fld id="{DDC2D2D8-E6F4-430A-AF9A-BE31920206A3}" type="datetime1">
               <a:rPr lang="ru-RU" smtClean="0"/>
-              <a:t>01.06.2021</a:t>
+              <a:t>02.06.2021</a:t>
             </a:fld>
             <a:endParaRPr lang="ru-RU"/>
           </a:p>
@@ -958,7 +958,7 @@
           <a:p>
             <a:fld id="{9687D60D-3646-45DA-B369-29266F547F75}" type="datetime1">
               <a:rPr lang="ru-RU" smtClean="0"/>
-              <a:t>01.06.2021</a:t>
+              <a:t>02.06.2021</a:t>
             </a:fld>
             <a:endParaRPr lang="ru-RU"/>
           </a:p>
@@ -1151,7 +1151,7 @@
           <a:p>
             <a:fld id="{9687D60D-3646-45DA-B369-29266F547F75}" type="datetime1">
               <a:rPr lang="ru-RU" smtClean="0"/>
-              <a:t>01.06.2021</a:t>
+              <a:t>02.06.2021</a:t>
             </a:fld>
             <a:endParaRPr lang="ru-RU"/>
           </a:p>
@@ -1413,7 +1413,7 @@
           <a:p>
             <a:fld id="{9687D60D-3646-45DA-B369-29266F547F75}" type="datetime1">
               <a:rPr lang="ru-RU" smtClean="0"/>
-              <a:t>01.06.2021</a:t>
+              <a:t>02.06.2021</a:t>
             </a:fld>
             <a:endParaRPr lang="ru-RU"/>
           </a:p>
@@ -1838,7 +1838,7 @@
           <a:p>
             <a:fld id="{9687D60D-3646-45DA-B369-29266F547F75}" type="datetime1">
               <a:rPr lang="ru-RU" smtClean="0"/>
-              <a:t>01.06.2021</a:t>
+              <a:t>02.06.2021</a:t>
             </a:fld>
             <a:endParaRPr lang="ru-RU"/>
           </a:p>
@@ -2376,7 +2376,7 @@
           <a:p>
             <a:fld id="{9687D60D-3646-45DA-B369-29266F547F75}" type="datetime1">
               <a:rPr lang="ru-RU" smtClean="0"/>
-              <a:t>01.06.2021</a:t>
+              <a:t>02.06.2021</a:t>
             </a:fld>
             <a:endParaRPr lang="ru-RU"/>
           </a:p>
@@ -3241,7 +3241,7 @@
           <a:p>
             <a:fld id="{9687D60D-3646-45DA-B369-29266F547F75}" type="datetime1">
               <a:rPr lang="ru-RU" smtClean="0"/>
-              <a:t>01.06.2021</a:t>
+              <a:t>02.06.2021</a:t>
             </a:fld>
             <a:endParaRPr lang="ru-RU"/>
           </a:p>
@@ -3412,7 +3412,7 @@
           <a:p>
             <a:fld id="{250197D5-BE27-4E96-A856-904F1D377D62}" type="datetime1">
               <a:rPr lang="ru-RU" smtClean="0"/>
-              <a:t>01.06.2021</a:t>
+              <a:t>02.06.2021</a:t>
             </a:fld>
             <a:endParaRPr lang="ru-RU"/>
           </a:p>
@@ -3596,7 +3596,7 @@
           <a:p>
             <a:fld id="{D56E3463-F63B-4B95-9BA6-06FD57C39297}" type="datetime1">
               <a:rPr lang="ru-RU" smtClean="0"/>
-              <a:t>01.06.2021</a:t>
+              <a:t>02.06.2021</a:t>
             </a:fld>
             <a:endParaRPr lang="ru-RU"/>
           </a:p>
@@ -3766,7 +3766,7 @@
           <a:p>
             <a:fld id="{8D7B042B-47A0-4222-BBA4-9369375125F0}" type="datetime1">
               <a:rPr lang="ru-RU" smtClean="0"/>
-              <a:t>01.06.2021</a:t>
+              <a:t>02.06.2021</a:t>
             </a:fld>
             <a:endParaRPr lang="ru-RU"/>
           </a:p>
@@ -4010,7 +4010,7 @@
           <a:p>
             <a:fld id="{DEEA46F3-E44E-49AF-830F-8E2441107F61}" type="datetime1">
               <a:rPr lang="ru-RU" smtClean="0"/>
-              <a:t>01.06.2021</a:t>
+              <a:t>02.06.2021</a:t>
             </a:fld>
             <a:endParaRPr lang="ru-RU"/>
           </a:p>
@@ -4246,7 +4246,7 @@
           <a:p>
             <a:fld id="{69D9970E-66E5-407A-B46D-1B7CC10341BD}" type="datetime1">
               <a:rPr lang="ru-RU" smtClean="0"/>
-              <a:t>01.06.2021</a:t>
+              <a:t>02.06.2021</a:t>
             </a:fld>
             <a:endParaRPr lang="ru-RU"/>
           </a:p>
@@ -4717,7 +4717,7 @@
           <a:p>
             <a:fld id="{E506E777-92FB-45EF-BDE0-8EAF6F468602}" type="datetime1">
               <a:rPr lang="ru-RU" smtClean="0"/>
-              <a:t>01.06.2021</a:t>
+              <a:t>02.06.2021</a:t>
             </a:fld>
             <a:endParaRPr lang="ru-RU"/>
           </a:p>
@@ -4840,7 +4840,7 @@
           <a:p>
             <a:fld id="{F05F46BA-6497-444A-B12E-6E2CC7D0BFB7}" type="datetime1">
               <a:rPr lang="ru-RU" smtClean="0"/>
-              <a:t>01.06.2021</a:t>
+              <a:t>02.06.2021</a:t>
             </a:fld>
             <a:endParaRPr lang="ru-RU"/>
           </a:p>
@@ -4935,7 +4935,7 @@
           <a:p>
             <a:fld id="{146B83AB-0F12-4FF3-84CC-F6A269AFA821}" type="datetime1">
               <a:rPr lang="ru-RU" smtClean="0"/>
-              <a:t>01.06.2021</a:t>
+              <a:t>02.06.2021</a:t>
             </a:fld>
             <a:endParaRPr lang="ru-RU"/>
           </a:p>
@@ -5190,7 +5190,7 @@
           <a:p>
             <a:fld id="{98B6B8D0-2A9B-4658-8A04-62A54A72586A}" type="datetime1">
               <a:rPr lang="ru-RU" smtClean="0"/>
-              <a:t>01.06.2021</a:t>
+              <a:t>02.06.2021</a:t>
             </a:fld>
             <a:endParaRPr lang="ru-RU"/>
           </a:p>
@@ -5495,7 +5495,7 @@
           <a:p>
             <a:fld id="{28DC018F-8F21-4B61-ABD9-61ECFC697874}" type="datetime1">
               <a:rPr lang="ru-RU" smtClean="0"/>
-              <a:t>01.06.2021</a:t>
+              <a:t>02.06.2021</a:t>
             </a:fld>
             <a:endParaRPr lang="ru-RU"/>
           </a:p>
@@ -5729,7 +5729,7 @@
           <a:p>
             <a:fld id="{9687D60D-3646-45DA-B369-29266F547F75}" type="datetime1">
               <a:rPr lang="ru-RU" smtClean="0"/>
-              <a:t>01.06.2021</a:t>
+              <a:t>02.06.2021</a:t>
             </a:fld>
             <a:endParaRPr lang="ru-RU"/>
           </a:p>
@@ -7386,7 +7386,7 @@
         </p:spPr>
         <p:txBody>
           <a:bodyPr vert="horz" lIns="91440" tIns="45720" rIns="91440" bIns="45720" rtlCol="0" anchor="t">
-            <a:normAutofit lnSpcReduction="10000"/>
+            <a:normAutofit fontScale="85000" lnSpcReduction="10000"/>
           </a:bodyPr>
           <a:lstStyle>
             <a:lvl1pPr marL="342900" indent="-306000" algn="l" defTabSz="457200" rtl="0" eaLnBrk="1" latinLnBrk="0" hangingPunct="1">
@@ -7734,7 +7734,7 @@
           </a:lstStyle>
           <a:p>
             <a:r>
-              <a:rPr lang="ru-RU" dirty="0" smtClean="0">
+              <a:rPr lang="ru-RU" dirty="0">
                 <a:solidFill>
                   <a:schemeClr val="bg1">
                     <a:lumMod val="95000"/>
@@ -7744,7 +7744,33 @@
                 <a:latin typeface="Times New Roman" panose="02020603050405020304" pitchFamily="18" charset="0"/>
                 <a:cs typeface="Times New Roman" panose="02020603050405020304" pitchFamily="18" charset="0"/>
               </a:rPr>
-              <a:t>удобно в использовании для пользователя</a:t>
+              <a:t>п</a:t>
+            </a:r>
+            <a:r>
+              <a:rPr lang="ru-RU" dirty="0" smtClean="0">
+                <a:solidFill>
+                  <a:schemeClr val="bg1">
+                    <a:lumMod val="95000"/>
+                    <a:lumOff val="5000"/>
+                  </a:schemeClr>
+                </a:solidFill>
+                <a:latin typeface="Times New Roman" panose="02020603050405020304" pitchFamily="18" charset="0"/>
+                <a:cs typeface="Times New Roman" panose="02020603050405020304" pitchFamily="18" charset="0"/>
+              </a:rPr>
+              <a:t>риложение удобно </a:t>
+            </a:r>
+            <a:r>
+              <a:rPr lang="ru-RU" dirty="0" smtClean="0">
+                <a:solidFill>
+                  <a:schemeClr val="bg1">
+                    <a:lumMod val="95000"/>
+                    <a:lumOff val="5000"/>
+                  </a:schemeClr>
+                </a:solidFill>
+                <a:latin typeface="Times New Roman" panose="02020603050405020304" pitchFamily="18" charset="0"/>
+                <a:cs typeface="Times New Roman" panose="02020603050405020304" pitchFamily="18" charset="0"/>
+              </a:rPr>
+              <a:t>в использовании для пользователя</a:t>
             </a:r>
             <a:endParaRPr lang="ru-RU" dirty="0">
               <a:solidFill>
@@ -8976,13 +9002,6 @@
               </a:rPr>
               <a:t>чат</a:t>
             </a:r>
-            <a:endParaRPr lang="ru-RU" dirty="0" smtClean="0">
-              <a:solidFill>
-                <a:schemeClr val="bg1"/>
-              </a:solidFill>
-              <a:latin typeface="Times New Roman" panose="02020603050405020304" pitchFamily="18" charset="0"/>
-              <a:cs typeface="Times New Roman" panose="02020603050405020304" pitchFamily="18" charset="0"/>
-            </a:endParaRPr>
           </a:p>
           <a:p>
             <a:endParaRPr lang="ru-RU" dirty="0">
@@ -10306,19 +10325,6 @@
               </a:rPr>
               <a:t>- диаграмма </a:t>
             </a:r>
-            <a:r>
-              <a:rPr lang="ru-RU" sz="4000" b="1" dirty="0" smtClean="0">
-                <a:solidFill>
-                  <a:schemeClr val="bg1">
-                    <a:lumMod val="95000"/>
-                    <a:lumOff val="5000"/>
-                  </a:schemeClr>
-                </a:solidFill>
-                <a:latin typeface="Times New Roman" panose="02020603050405020304" pitchFamily="18" charset="0"/>
-                <a:cs typeface="Times New Roman" panose="02020603050405020304" pitchFamily="18" charset="0"/>
-              </a:rPr>
-              <a:t/>
-            </a:r>
             <a:br>
               <a:rPr lang="ru-RU" sz="4000" b="1" dirty="0" smtClean="0">
                 <a:solidFill>
@@ -12044,8 +12050,8 @@
         </p:nvSpPr>
         <p:spPr>
           <a:xfrm>
-            <a:off x="838200" y="1507855"/>
-            <a:ext cx="10515600" cy="4848495"/>
+            <a:off x="3888253" y="1646238"/>
+            <a:ext cx="5079521" cy="3288432"/>
           </a:xfrm>
         </p:spPr>
         <p:txBody>
@@ -12053,83 +12059,68 @@
           <a:lstStyle/>
           <a:p>
             <a:r>
-              <a:rPr lang="ru-RU" b="1" dirty="0" err="1">
+              <a:rPr lang="ru-RU" sz="3600" b="1" dirty="0" err="1" smtClean="0">
                 <a:latin typeface="Times New Roman" panose="02020603050405020304" pitchFamily="18" charset="0"/>
                 <a:cs typeface="Times New Roman" panose="02020603050405020304" pitchFamily="18" charset="0"/>
               </a:rPr>
               <a:t>CreateWindowEx</a:t>
             </a:r>
             <a:r>
-              <a:rPr lang="ru-RU" b="1" dirty="0">
+              <a:rPr lang="ru-RU" sz="3600" b="1" dirty="0" smtClean="0">
+                <a:latin typeface="Times New Roman" panose="02020603050405020304" pitchFamily="18" charset="0"/>
+                <a:cs typeface="Times New Roman" panose="02020603050405020304" pitchFamily="18" charset="0"/>
+              </a:rPr>
+              <a:t>(</a:t>
+            </a:r>
+            <a:r>
+              <a:rPr lang="en-US" sz="3600" b="1" dirty="0" smtClean="0">
                 <a:latin typeface="Times New Roman" panose="02020603050405020304" pitchFamily="18" charset="0"/>
                 <a:cs typeface="Times New Roman" panose="02020603050405020304" pitchFamily="18" charset="0"/>
               </a:rPr>
               <a:t> </a:t>
             </a:r>
             <a:r>
-              <a:rPr lang="ru-RU" dirty="0">
+              <a:rPr lang="ru-RU" sz="3600" b="1" dirty="0" smtClean="0">
                 <a:latin typeface="Times New Roman" panose="02020603050405020304" pitchFamily="18" charset="0"/>
                 <a:cs typeface="Times New Roman" panose="02020603050405020304" pitchFamily="18" charset="0"/>
               </a:rPr>
-              <a:t>- создает перекрывающее, выпрыгивающее или дочернее окно с расширенным стилем</a:t>
-            </a:r>
-            <a:r>
-              <a:rPr lang="ru-RU" dirty="0" smtClean="0">
+              <a:t>)</a:t>
+            </a:r>
+            <a:r>
+              <a:rPr lang="en-US" sz="3600" b="1" dirty="0" smtClean="0">
                 <a:latin typeface="Times New Roman" panose="02020603050405020304" pitchFamily="18" charset="0"/>
                 <a:cs typeface="Times New Roman" panose="02020603050405020304" pitchFamily="18" charset="0"/>
               </a:rPr>
-              <a:t>.</a:t>
-            </a:r>
-          </a:p>
-          <a:p>
-            <a:endParaRPr lang="en-US" dirty="0" smtClean="0">
+              <a:t>;</a:t>
+            </a:r>
+            <a:endParaRPr lang="en-US" sz="3600" dirty="0" smtClean="0">
               <a:latin typeface="Times New Roman" panose="02020603050405020304" pitchFamily="18" charset="0"/>
               <a:cs typeface="Times New Roman" panose="02020603050405020304" pitchFamily="18" charset="0"/>
             </a:endParaRPr>
           </a:p>
           <a:p>
             <a:r>
-              <a:rPr lang="ru-RU" b="1" dirty="0" err="1">
+              <a:rPr lang="ru-RU" sz="3600" b="1" dirty="0" err="1" smtClean="0">
                 <a:latin typeface="Times New Roman" panose="02020603050405020304" pitchFamily="18" charset="0"/>
                 <a:cs typeface="Times New Roman" panose="02020603050405020304" pitchFamily="18" charset="0"/>
               </a:rPr>
               <a:t>GetWindowText</a:t>
             </a:r>
             <a:r>
-              <a:rPr lang="ru-RU" b="1" dirty="0">
+              <a:rPr lang="en-US" sz="3600" b="1" dirty="0" smtClean="0">
                 <a:latin typeface="Times New Roman" panose="02020603050405020304" pitchFamily="18" charset="0"/>
                 <a:cs typeface="Times New Roman" panose="02020603050405020304" pitchFamily="18" charset="0"/>
               </a:rPr>
-              <a:t> - </a:t>
-            </a:r>
-            <a:r>
-              <a:rPr lang="ru-RU" dirty="0">
-                <a:latin typeface="Times New Roman" panose="02020603050405020304" pitchFamily="18" charset="0"/>
-                <a:cs typeface="Times New Roman" panose="02020603050405020304" pitchFamily="18" charset="0"/>
-              </a:rPr>
-              <a:t>копирует текст заголовка определяемого окна (если окно имеет его) в буфер. Если заданное окно является органом управления, копируется его текст</a:t>
-            </a:r>
-            <a:r>
-              <a:rPr lang="ru-RU" dirty="0" smtClean="0">
-                <a:latin typeface="Times New Roman" panose="02020603050405020304" pitchFamily="18" charset="0"/>
-                <a:cs typeface="Times New Roman" panose="02020603050405020304" pitchFamily="18" charset="0"/>
-              </a:rPr>
-              <a:t>.</a:t>
-            </a:r>
-            <a:endParaRPr lang="en-US" dirty="0" smtClean="0">
+              <a:t>( );</a:t>
+            </a:r>
+            <a:endParaRPr lang="en-US" sz="3600" dirty="0">
               <a:latin typeface="Times New Roman" panose="02020603050405020304" pitchFamily="18" charset="0"/>
               <a:cs typeface="Times New Roman" panose="02020603050405020304" pitchFamily="18" charset="0"/>
             </a:endParaRPr>
           </a:p>
           <a:p>
-            <a:endParaRPr lang="en-US" dirty="0">
-              <a:latin typeface="Times New Roman" panose="02020603050405020304" pitchFamily="18" charset="0"/>
-              <a:cs typeface="Times New Roman" panose="02020603050405020304" pitchFamily="18" charset="0"/>
-            </a:endParaRPr>
-          </a:p>
-          <a:p>
-            <a:r>
-              <a:rPr lang="ru-RU" b="1" dirty="0" err="1">
+            <a:r>
+              <a:rPr lang="ru-RU" sz="3600" b="1" dirty="0" err="1" smtClean="0">
                 <a:effectLst/>
                 <a:latin typeface="Times New Roman" panose="02020603050405020304" pitchFamily="18" charset="0"/>
                 <a:cs typeface="Times New Roman" panose="02020603050405020304" pitchFamily="18" charset="0"/>
@@ -12137,31 +12128,21 @@
               <a:t>SendMessage</a:t>
             </a:r>
             <a:r>
-              <a:rPr lang="ru-RU" b="1" dirty="0">
+              <a:rPr lang="en-US" sz="3600" b="1" dirty="0" smtClean="0">
                 <a:effectLst/>
                 <a:latin typeface="Times New Roman" panose="02020603050405020304" pitchFamily="18" charset="0"/>
                 <a:cs typeface="Times New Roman" panose="02020603050405020304" pitchFamily="18" charset="0"/>
               </a:rPr>
-              <a:t> - </a:t>
-            </a:r>
-            <a:r>
-              <a:rPr lang="ru-RU" dirty="0">
-                <a:effectLst/>
-                <a:latin typeface="Times New Roman" panose="02020603050405020304" pitchFamily="18" charset="0"/>
-                <a:cs typeface="Times New Roman" panose="02020603050405020304" pitchFamily="18" charset="0"/>
-              </a:rPr>
-              <a:t> отправляет заданное сообщение окну или окнам. Функция вызывает оконную процедуру для заданного окна и не возвращает значение до тех пор, пока оконная процедура не обработает сообщение.</a:t>
-            </a:r>
-          </a:p>
-          <a:p>
-            <a:endParaRPr lang="en-US" dirty="0" smtClean="0">
+              <a:t>( );</a:t>
+            </a:r>
+            <a:endParaRPr lang="en-US" sz="3600" dirty="0" smtClean="0">
               <a:latin typeface="Times New Roman" panose="02020603050405020304" pitchFamily="18" charset="0"/>
               <a:cs typeface="Times New Roman" panose="02020603050405020304" pitchFamily="18" charset="0"/>
             </a:endParaRPr>
           </a:p>
           <a:p>
             <a:r>
-              <a:rPr lang="ru-RU" b="1" dirty="0" err="1">
+              <a:rPr lang="ru-RU" sz="3600" b="1" dirty="0" err="1" smtClean="0">
                 <a:effectLst/>
                 <a:latin typeface="Times New Roman" panose="02020603050405020304" pitchFamily="18" charset="0"/>
                 <a:cs typeface="Times New Roman" panose="02020603050405020304" pitchFamily="18" charset="0"/>
@@ -12169,40 +12150,14 @@
               <a:t>DispatchMessage</a:t>
             </a:r>
             <a:r>
-              <a:rPr lang="ru-RU" b="1" dirty="0">
+              <a:rPr lang="en-US" sz="3600" b="1" dirty="0" smtClean="0">
                 <a:effectLst/>
                 <a:latin typeface="Times New Roman" panose="02020603050405020304" pitchFamily="18" charset="0"/>
                 <a:cs typeface="Times New Roman" panose="02020603050405020304" pitchFamily="18" charset="0"/>
               </a:rPr>
-              <a:t> - </a:t>
-            </a:r>
-            <a:r>
-              <a:rPr lang="ru-RU" dirty="0">
-                <a:effectLst/>
-                <a:latin typeface="Times New Roman" panose="02020603050405020304" pitchFamily="18" charset="0"/>
-                <a:cs typeface="Times New Roman" panose="02020603050405020304" pitchFamily="18" charset="0"/>
-              </a:rPr>
-              <a:t> распределяет сообщение оконной процедуре. Обычно она используется, чтобы доставить сообщение, извлеченное функцией </a:t>
-            </a:r>
-            <a:r>
-              <a:rPr lang="ru-RU" dirty="0" err="1">
-                <a:effectLst/>
-                <a:latin typeface="Times New Roman" panose="02020603050405020304" pitchFamily="18" charset="0"/>
-                <a:cs typeface="Times New Roman" panose="02020603050405020304" pitchFamily="18" charset="0"/>
-              </a:rPr>
-              <a:t>GetMessage</a:t>
-            </a:r>
-            <a:r>
-              <a:rPr lang="ru-RU" dirty="0">
-                <a:effectLst/>
-                <a:latin typeface="Times New Roman" panose="02020603050405020304" pitchFamily="18" charset="0"/>
-                <a:cs typeface="Times New Roman" panose="02020603050405020304" pitchFamily="18" charset="0"/>
-              </a:rPr>
-              <a:t>.</a:t>
-            </a:r>
-          </a:p>
-          <a:p>
-            <a:endParaRPr lang="ru-RU" dirty="0" smtClean="0">
+              <a:t>( );</a:t>
+            </a:r>
+            <a:endParaRPr lang="ru-RU" sz="3600" dirty="0" smtClean="0">
               <a:latin typeface="Times New Roman" panose="02020603050405020304" pitchFamily="18" charset="0"/>
               <a:cs typeface="Times New Roman" panose="02020603050405020304" pitchFamily="18" charset="0"/>
             </a:endParaRPr>
